--- a/A conduit rendszer tesztelése.pptx
+++ b/A conduit rendszer tesztelése.pptx
@@ -6,8 +6,11 @@
   </p:sldMasterIdLst>
   <p:sldIdLst>
     <p:sldId id="256" r:id="rId2"/>
-    <p:sldId id="257" r:id="rId3"/>
-    <p:sldId id="258" r:id="rId4"/>
+    <p:sldId id="259" r:id="rId3"/>
+    <p:sldId id="260" r:id="rId4"/>
+    <p:sldId id="257" r:id="rId5"/>
+    <p:sldId id="261" r:id="rId6"/>
+    <p:sldId id="258" r:id="rId7"/>
   </p:sldIdLst>
   <p:sldSz cx="12192000" cy="6858000"/>
   <p:notesSz cx="6858000" cy="9144000"/>
@@ -106,6 +109,11 @@
       </a:defRPr>
     </a:lvl9pPr>
   </p:defaultTextStyle>
+  <p:extLst>
+    <p:ext uri="{EFAFB233-063F-42B5-8137-9DF3F51BA10A}">
+      <p15:sldGuideLst xmlns:p15="http://schemas.microsoft.com/office/powerpoint/2012/main"/>
+    </p:ext>
+  </p:extLst>
 </p:presentation>
 </file>
 
@@ -256,7 +264,7 @@
           <a:p>
             <a:fld id="{999B6098-A452-4075-8D8E-AAC2040F4380}" type="datetimeFigureOut">
               <a:rPr lang="hu-HU" smtClean="0"/>
-              <a:t>2021. 08. 10.</a:t>
+              <a:t>2021. 08. 16.</a:t>
             </a:fld>
             <a:endParaRPr lang="hu-HU"/>
           </a:p>
@@ -454,7 +462,7 @@
           <a:p>
             <a:fld id="{999B6098-A452-4075-8D8E-AAC2040F4380}" type="datetimeFigureOut">
               <a:rPr lang="hu-HU" smtClean="0"/>
-              <a:t>2021. 08. 10.</a:t>
+              <a:t>2021. 08. 16.</a:t>
             </a:fld>
             <a:endParaRPr lang="hu-HU"/>
           </a:p>
@@ -662,7 +670,7 @@
           <a:p>
             <a:fld id="{999B6098-A452-4075-8D8E-AAC2040F4380}" type="datetimeFigureOut">
               <a:rPr lang="hu-HU" smtClean="0"/>
-              <a:t>2021. 08. 10.</a:t>
+              <a:t>2021. 08. 16.</a:t>
             </a:fld>
             <a:endParaRPr lang="hu-HU"/>
           </a:p>
@@ -860,7 +868,7 @@
           <a:p>
             <a:fld id="{999B6098-A452-4075-8D8E-AAC2040F4380}" type="datetimeFigureOut">
               <a:rPr lang="hu-HU" smtClean="0"/>
-              <a:t>2021. 08. 10.</a:t>
+              <a:t>2021. 08. 16.</a:t>
             </a:fld>
             <a:endParaRPr lang="hu-HU"/>
           </a:p>
@@ -1135,7 +1143,7 @@
           <a:p>
             <a:fld id="{999B6098-A452-4075-8D8E-AAC2040F4380}" type="datetimeFigureOut">
               <a:rPr lang="hu-HU" smtClean="0"/>
-              <a:t>2021. 08. 10.</a:t>
+              <a:t>2021. 08. 16.</a:t>
             </a:fld>
             <a:endParaRPr lang="hu-HU"/>
           </a:p>
@@ -1400,7 +1408,7 @@
           <a:p>
             <a:fld id="{999B6098-A452-4075-8D8E-AAC2040F4380}" type="datetimeFigureOut">
               <a:rPr lang="hu-HU" smtClean="0"/>
-              <a:t>2021. 08. 10.</a:t>
+              <a:t>2021. 08. 16.</a:t>
             </a:fld>
             <a:endParaRPr lang="hu-HU"/>
           </a:p>
@@ -1812,7 +1820,7 @@
           <a:p>
             <a:fld id="{999B6098-A452-4075-8D8E-AAC2040F4380}" type="datetimeFigureOut">
               <a:rPr lang="hu-HU" smtClean="0"/>
-              <a:t>2021. 08. 10.</a:t>
+              <a:t>2021. 08. 16.</a:t>
             </a:fld>
             <a:endParaRPr lang="hu-HU"/>
           </a:p>
@@ -1953,7 +1961,7 @@
           <a:p>
             <a:fld id="{999B6098-A452-4075-8D8E-AAC2040F4380}" type="datetimeFigureOut">
               <a:rPr lang="hu-HU" smtClean="0"/>
-              <a:t>2021. 08. 10.</a:t>
+              <a:t>2021. 08. 16.</a:t>
             </a:fld>
             <a:endParaRPr lang="hu-HU"/>
           </a:p>
@@ -2066,7 +2074,7 @@
           <a:p>
             <a:fld id="{999B6098-A452-4075-8D8E-AAC2040F4380}" type="datetimeFigureOut">
               <a:rPr lang="hu-HU" smtClean="0"/>
-              <a:t>2021. 08. 10.</a:t>
+              <a:t>2021. 08. 16.</a:t>
             </a:fld>
             <a:endParaRPr lang="hu-HU"/>
           </a:p>
@@ -2377,7 +2385,7 @@
           <a:p>
             <a:fld id="{999B6098-A452-4075-8D8E-AAC2040F4380}" type="datetimeFigureOut">
               <a:rPr lang="hu-HU" smtClean="0"/>
-              <a:t>2021. 08. 10.</a:t>
+              <a:t>2021. 08. 16.</a:t>
             </a:fld>
             <a:endParaRPr lang="hu-HU"/>
           </a:p>
@@ -2665,7 +2673,7 @@
           <a:p>
             <a:fld id="{999B6098-A452-4075-8D8E-AAC2040F4380}" type="datetimeFigureOut">
               <a:rPr lang="hu-HU" smtClean="0"/>
-              <a:t>2021. 08. 10.</a:t>
+              <a:t>2021. 08. 16.</a:t>
             </a:fld>
             <a:endParaRPr lang="hu-HU"/>
           </a:p>
@@ -2906,7 +2914,7 @@
           <a:p>
             <a:fld id="{999B6098-A452-4075-8D8E-AAC2040F4380}" type="datetimeFigureOut">
               <a:rPr lang="hu-HU" smtClean="0"/>
-              <a:t>2021. 08. 10.</a:t>
+              <a:t>2021. 08. 16.</a:t>
             </a:fld>
             <a:endParaRPr lang="hu-HU"/>
           </a:p>
@@ -3339,7 +3347,12 @@
             <p:ph type="ctrTitle"/>
           </p:nvPr>
         </p:nvSpPr>
-        <p:spPr/>
+        <p:spPr>
+          <a:xfrm>
+            <a:off x="1524000" y="1122362"/>
+            <a:ext cx="9144000" cy="3116005"/>
+          </a:xfrm>
+        </p:spPr>
         <p:txBody>
           <a:bodyPr>
             <a:normAutofit fontScale="90000"/>
@@ -3348,80 +3361,75 @@
           <a:p>
             <a:r>
               <a:rPr lang="hu-HU" dirty="0"/>
-              <a:t>A </a:t>
-            </a:r>
-            <a:r>
-              <a:rPr lang="hu-HU" b="1" dirty="0" err="1"/>
-              <a:t>conduit</a:t>
-            </a:r>
-            <a:r>
-              <a:rPr lang="hu-HU" dirty="0"/>
-              <a:t> rendszer tesztelése </a:t>
-            </a:r>
-            <a:r>
-              <a:rPr lang="hu-HU" dirty="0" err="1"/>
-              <a:t>Selenium</a:t>
-            </a:r>
-            <a:r>
-              <a:rPr lang="hu-HU" dirty="0"/>
-              <a:t> és </a:t>
-            </a:r>
-            <a:r>
-              <a:rPr lang="hu-HU" dirty="0" err="1"/>
-              <a:t>pytest</a:t>
-            </a:r>
-            <a:r>
-              <a:rPr lang="hu-HU" dirty="0"/>
-              <a:t> segítségével</a:t>
-            </a:r>
-          </a:p>
-        </p:txBody>
-      </p:sp>
-      <p:sp>
-        <p:nvSpPr>
-          <p:cNvPr id="3" name="Alcím 2">
-            <a:extLst>
-              <a:ext uri="{FF2B5EF4-FFF2-40B4-BE49-F238E27FC236}">
-                <a16:creationId xmlns:a16="http://schemas.microsoft.com/office/drawing/2014/main" id="{2B4A734B-6B6E-4282-B656-CF3E29F58D98}"/>
-              </a:ext>
-            </a:extLst>
-          </p:cNvPr>
-          <p:cNvSpPr>
-            <a:spLocks noGrp="1"/>
-          </p:cNvSpPr>
-          <p:nvPr>
-            <p:ph type="subTitle" idx="1"/>
-          </p:nvPr>
-        </p:nvSpPr>
-        <p:spPr>
-          <a:xfrm>
-            <a:off x="1524000" y="4460788"/>
-            <a:ext cx="9144000" cy="797011"/>
-          </a:xfrm>
-        </p:spPr>
-        <p:txBody>
-          <a:bodyPr/>
-          <a:lstStyle/>
-          <a:p>
-            <a:pPr algn="r"/>
-            <a:r>
-              <a:rPr lang="hu-HU" dirty="0"/>
-              <a:t>Készítette: </a:t>
-            </a:r>
-            <a:r>
-              <a:rPr lang="hu-HU" dirty="0" err="1"/>
-              <a:t>Szoboszlay</a:t>
-            </a:r>
-            <a:r>
-              <a:rPr lang="hu-HU" dirty="0"/>
-              <a:t> Balázs</a:t>
+              <a:t>Junior automatizált tesztelő szakirány </a:t>
             </a:r>
             <a:br>
               <a:rPr lang="hu-HU" dirty="0"/>
             </a:br>
-            <a:r>
+            <a:br>
               <a:rPr lang="hu-HU" dirty="0"/>
-              <a:t>2021. 08. 10.</a:t>
+            </a:br>
+            <a:r>
+              <a:rPr lang="hu-HU" dirty="0"/>
+              <a:t>Vizsgaremek védés</a:t>
+            </a:r>
+          </a:p>
+        </p:txBody>
+      </p:sp>
+      <p:sp>
+        <p:nvSpPr>
+          <p:cNvPr id="3" name="Alcím 2">
+            <a:extLst>
+              <a:ext uri="{FF2B5EF4-FFF2-40B4-BE49-F238E27FC236}">
+                <a16:creationId xmlns:a16="http://schemas.microsoft.com/office/drawing/2014/main" id="{2B4A734B-6B6E-4282-B656-CF3E29F58D98}"/>
+              </a:ext>
+            </a:extLst>
+          </p:cNvPr>
+          <p:cNvSpPr>
+            <a:spLocks noGrp="1"/>
+          </p:cNvSpPr>
+          <p:nvPr>
+            <p:ph type="subTitle" idx="1"/>
+          </p:nvPr>
+        </p:nvSpPr>
+        <p:spPr>
+          <a:xfrm>
+            <a:off x="1524000" y="4460787"/>
+            <a:ext cx="9144000" cy="1495169"/>
+          </a:xfrm>
+        </p:spPr>
+        <p:txBody>
+          <a:bodyPr>
+            <a:normAutofit/>
+          </a:bodyPr>
+          <a:lstStyle/>
+          <a:p>
+            <a:pPr algn="r"/>
+            <a:r>
+              <a:rPr lang="hu-HU" dirty="0"/>
+              <a:t>Készítette: </a:t>
+            </a:r>
+            <a:r>
+              <a:rPr lang="hu-HU" dirty="0" err="1"/>
+              <a:t>Szoboszlay</a:t>
+            </a:r>
+            <a:r>
+              <a:rPr lang="hu-HU" dirty="0"/>
+              <a:t> Balázs</a:t>
+            </a:r>
+            <a:br>
+              <a:rPr lang="hu-HU" dirty="0"/>
+            </a:br>
+            <a:r>
+              <a:rPr lang="hu-HU" dirty="0"/>
+              <a:t>szoboszlay@gmail.com</a:t>
+            </a:r>
+            <a:br>
+              <a:rPr lang="hu-HU" dirty="0"/>
+            </a:br>
+            <a:r>
+              <a:rPr lang="hu-HU" dirty="0"/>
+              <a:t>2021. 08. 16.</a:t>
             </a:r>
           </a:p>
         </p:txBody>
@@ -3461,6 +3469,457 @@
           <p:cNvPr id="2" name="Cím 1">
             <a:extLst>
               <a:ext uri="{FF2B5EF4-FFF2-40B4-BE49-F238E27FC236}">
+                <a16:creationId xmlns:a16="http://schemas.microsoft.com/office/drawing/2014/main" id="{67AEBBB1-9C3F-4737-8357-FCBF21EE907F}"/>
+              </a:ext>
+            </a:extLst>
+          </p:cNvPr>
+          <p:cNvSpPr>
+            <a:spLocks noGrp="1"/>
+          </p:cNvSpPr>
+          <p:nvPr>
+            <p:ph type="title"/>
+          </p:nvPr>
+        </p:nvSpPr>
+        <p:spPr/>
+        <p:txBody>
+          <a:bodyPr/>
+          <a:lstStyle/>
+          <a:p>
+            <a:pPr algn="ctr"/>
+            <a:r>
+              <a:rPr lang="hu-HU" dirty="0"/>
+              <a:t>A </a:t>
+            </a:r>
+            <a:r>
+              <a:rPr lang="hu-HU" dirty="0" err="1"/>
+              <a:t>conduit</a:t>
+            </a:r>
+            <a:r>
+              <a:rPr lang="hu-HU" dirty="0"/>
+              <a:t> weboldal tesztelése </a:t>
+            </a:r>
+            <a:r>
+              <a:rPr lang="hu-HU" dirty="0" err="1"/>
+              <a:t>PyTest</a:t>
+            </a:r>
+            <a:r>
+              <a:rPr lang="hu-HU" dirty="0"/>
+              <a:t> és </a:t>
+            </a:r>
+            <a:r>
+              <a:rPr lang="hu-HU" dirty="0" err="1"/>
+              <a:t>Selenium</a:t>
+            </a:r>
+            <a:r>
+              <a:rPr lang="hu-HU" dirty="0"/>
+              <a:t> eszközökkel</a:t>
+            </a:r>
+          </a:p>
+        </p:txBody>
+      </p:sp>
+      <p:sp>
+        <p:nvSpPr>
+          <p:cNvPr id="3" name="Tartalom helye 2">
+            <a:extLst>
+              <a:ext uri="{FF2B5EF4-FFF2-40B4-BE49-F238E27FC236}">
+                <a16:creationId xmlns:a16="http://schemas.microsoft.com/office/drawing/2014/main" id="{D4D48AE7-34AC-44CE-83E3-4DB3E7628612}"/>
+              </a:ext>
+            </a:extLst>
+          </p:cNvPr>
+          <p:cNvSpPr>
+            <a:spLocks noGrp="1"/>
+          </p:cNvSpPr>
+          <p:nvPr>
+            <p:ph idx="1"/>
+          </p:nvPr>
+        </p:nvSpPr>
+        <p:spPr>
+          <a:xfrm>
+            <a:off x="838200" y="1825625"/>
+            <a:ext cx="5257800" cy="4351338"/>
+          </a:xfrm>
+        </p:spPr>
+        <p:txBody>
+          <a:bodyPr/>
+          <a:lstStyle/>
+          <a:p>
+            <a:pPr marL="0" indent="0">
+              <a:buNone/>
+            </a:pPr>
+            <a:r>
+              <a:rPr lang="hu-HU" dirty="0"/>
+              <a:t>A </a:t>
+            </a:r>
+            <a:r>
+              <a:rPr lang="hu-HU" dirty="0" err="1"/>
+              <a:t>conduit</a:t>
+            </a:r>
+            <a:r>
+              <a:rPr lang="hu-HU" dirty="0"/>
+              <a:t> egy híralkalmazás, ahol bármelyik regisztrált felhasználó képes híreket létrehozni, amelyet bárki el tud olvasni (amennyiben szintén regisztrált és bejelentkezett). A felhasználók továbbá tudják szerkeszteni, illetve törölni a cikkeiket és „like”-</a:t>
+            </a:r>
+            <a:r>
+              <a:rPr lang="hu-HU" dirty="0" err="1"/>
+              <a:t>olni</a:t>
+            </a:r>
+            <a:r>
+              <a:rPr lang="hu-HU" dirty="0"/>
+              <a:t> és </a:t>
+            </a:r>
+            <a:r>
+              <a:rPr lang="hu-HU" dirty="0" err="1"/>
+              <a:t>kommentelni</a:t>
+            </a:r>
+            <a:r>
+              <a:rPr lang="hu-HU" dirty="0"/>
+              <a:t> a többiekét.</a:t>
+            </a:r>
+          </a:p>
+        </p:txBody>
+      </p:sp>
+      <p:pic>
+        <p:nvPicPr>
+          <p:cNvPr id="4" name="Kép 3">
+            <a:extLst>
+              <a:ext uri="{FF2B5EF4-FFF2-40B4-BE49-F238E27FC236}">
+                <a16:creationId xmlns:a16="http://schemas.microsoft.com/office/drawing/2014/main" id="{9F67539D-0053-4559-95BA-94B0EF68A1FC}"/>
+              </a:ext>
+            </a:extLst>
+          </p:cNvPr>
+          <p:cNvPicPr>
+            <a:picLocks noChangeAspect="1"/>
+          </p:cNvPicPr>
+          <p:nvPr/>
+        </p:nvPicPr>
+        <p:blipFill>
+          <a:blip r:embed="rId2"/>
+          <a:stretch>
+            <a:fillRect/>
+          </a:stretch>
+        </p:blipFill>
+        <p:spPr>
+          <a:xfrm>
+            <a:off x="6728338" y="1690688"/>
+            <a:ext cx="4625462" cy="4611258"/>
+          </a:xfrm>
+          <a:prstGeom prst="rect">
+            <a:avLst/>
+          </a:prstGeom>
+        </p:spPr>
+      </p:pic>
+    </p:spTree>
+    <p:extLst>
+      <p:ext uri="{BB962C8B-B14F-4D97-AF65-F5344CB8AC3E}">
+        <p14:creationId xmlns:p14="http://schemas.microsoft.com/office/powerpoint/2010/main" val="2405813350"/>
+      </p:ext>
+    </p:extLst>
+  </p:cSld>
+  <p:clrMapOvr>
+    <a:masterClrMapping/>
+  </p:clrMapOvr>
+</p:sld>
+</file>
+
+<file path=ppt/slides/slide3.xml><?xml version="1.0" encoding="utf-8"?>
+<p:sld xmlns:a="http://schemas.openxmlformats.org/drawingml/2006/main" xmlns:r="http://schemas.openxmlformats.org/officeDocument/2006/relationships" xmlns:p="http://schemas.openxmlformats.org/presentationml/2006/main">
+  <p:cSld>
+    <p:spTree>
+      <p:nvGrpSpPr>
+        <p:cNvPr id="1" name=""/>
+        <p:cNvGrpSpPr/>
+        <p:nvPr/>
+      </p:nvGrpSpPr>
+      <p:grpSpPr>
+        <a:xfrm>
+          <a:off x="0" y="0"/>
+          <a:ext cx="0" cy="0"/>
+          <a:chOff x="0" y="0"/>
+          <a:chExt cx="0" cy="0"/>
+        </a:xfrm>
+      </p:grpSpPr>
+      <p:sp>
+        <p:nvSpPr>
+          <p:cNvPr id="2" name="Cím 1">
+            <a:extLst>
+              <a:ext uri="{FF2B5EF4-FFF2-40B4-BE49-F238E27FC236}">
+                <a16:creationId xmlns:a16="http://schemas.microsoft.com/office/drawing/2014/main" id="{123A97BE-50AB-4996-8CB8-40ED60D17315}"/>
+              </a:ext>
+            </a:extLst>
+          </p:cNvPr>
+          <p:cNvSpPr>
+            <a:spLocks noGrp="1"/>
+          </p:cNvSpPr>
+          <p:nvPr>
+            <p:ph type="title"/>
+          </p:nvPr>
+        </p:nvSpPr>
+        <p:spPr/>
+        <p:txBody>
+          <a:bodyPr/>
+          <a:lstStyle/>
+          <a:p>
+            <a:r>
+              <a:rPr lang="hu-HU" dirty="0"/>
+              <a:t>Automatizálás </a:t>
+            </a:r>
+            <a:r>
+              <a:rPr lang="hu-HU" dirty="0" err="1"/>
+              <a:t>Github</a:t>
+            </a:r>
+            <a:r>
+              <a:rPr lang="hu-HU" dirty="0"/>
+              <a:t> </a:t>
+            </a:r>
+            <a:r>
+              <a:rPr lang="hu-HU" dirty="0" err="1"/>
+              <a:t>Actions</a:t>
+            </a:r>
+            <a:r>
+              <a:rPr lang="hu-HU" dirty="0"/>
+              <a:t> használatával</a:t>
+            </a:r>
+          </a:p>
+        </p:txBody>
+      </p:sp>
+      <p:sp>
+        <p:nvSpPr>
+          <p:cNvPr id="3" name="Tartalom helye 2">
+            <a:extLst>
+              <a:ext uri="{FF2B5EF4-FFF2-40B4-BE49-F238E27FC236}">
+                <a16:creationId xmlns:a16="http://schemas.microsoft.com/office/drawing/2014/main" id="{96DCE114-8CDF-4C94-88D3-60D52EE60202}"/>
+              </a:ext>
+            </a:extLst>
+          </p:cNvPr>
+          <p:cNvSpPr>
+            <a:spLocks noGrp="1"/>
+          </p:cNvSpPr>
+          <p:nvPr>
+            <p:ph idx="1"/>
+          </p:nvPr>
+        </p:nvSpPr>
+        <p:spPr>
+          <a:xfrm>
+            <a:off x="838200" y="1825625"/>
+            <a:ext cx="5257800" cy="4351338"/>
+          </a:xfrm>
+        </p:spPr>
+        <p:txBody>
+          <a:bodyPr>
+            <a:normAutofit fontScale="92500" lnSpcReduction="20000"/>
+          </a:bodyPr>
+          <a:lstStyle/>
+          <a:p>
+            <a:pPr marL="0" indent="0">
+              <a:buNone/>
+            </a:pPr>
+            <a:r>
+              <a:rPr lang="hu-HU" dirty="0" err="1"/>
+              <a:t>Github</a:t>
+            </a:r>
+            <a:r>
+              <a:rPr lang="hu-HU" dirty="0"/>
+              <a:t> </a:t>
+            </a:r>
+            <a:r>
+              <a:rPr lang="hu-HU" dirty="0" err="1"/>
+              <a:t>Actions</a:t>
+            </a:r>
+            <a:r>
+              <a:rPr lang="hu-HU" dirty="0"/>
+              <a:t> lépései:</a:t>
+            </a:r>
+          </a:p>
+          <a:p>
+            <a:r>
+              <a:rPr lang="hu-HU" dirty="0" err="1"/>
+              <a:t>Trigger</a:t>
+            </a:r>
+            <a:r>
+              <a:rPr lang="hu-HU" dirty="0"/>
+              <a:t> esemény vizsgálata („</a:t>
+            </a:r>
+            <a:r>
+              <a:rPr lang="hu-HU" dirty="0" err="1"/>
+              <a:t>push</a:t>
+            </a:r>
+            <a:r>
+              <a:rPr lang="hu-HU" dirty="0"/>
+              <a:t>” esemény a „</a:t>
+            </a:r>
+            <a:r>
+              <a:rPr lang="hu-HU" dirty="0" err="1"/>
+              <a:t>master</a:t>
+            </a:r>
+            <a:r>
+              <a:rPr lang="hu-HU" dirty="0"/>
+              <a:t>” ágon)</a:t>
+            </a:r>
+          </a:p>
+          <a:p>
+            <a:r>
+              <a:rPr lang="hu-HU" dirty="0" err="1"/>
+              <a:t>Ubuntu</a:t>
+            </a:r>
+            <a:r>
+              <a:rPr lang="hu-HU" dirty="0"/>
+              <a:t> image létrehozása</a:t>
+            </a:r>
+          </a:p>
+          <a:p>
+            <a:r>
+              <a:rPr lang="hu-HU" dirty="0"/>
+              <a:t>Függőségek telepítése</a:t>
+            </a:r>
+          </a:p>
+          <a:p>
+            <a:r>
+              <a:rPr lang="hu-HU" dirty="0"/>
+              <a:t>Docker imageelindítása</a:t>
+            </a:r>
+          </a:p>
+          <a:p>
+            <a:r>
+              <a:rPr lang="hu-HU" dirty="0" err="1"/>
+              <a:t>PyTest</a:t>
+            </a:r>
+            <a:r>
+              <a:rPr lang="hu-HU" dirty="0"/>
+              <a:t> tesztek futtatása</a:t>
+            </a:r>
+          </a:p>
+          <a:p>
+            <a:r>
+              <a:rPr lang="hu-HU" dirty="0"/>
+              <a:t>Docker </a:t>
+            </a:r>
+            <a:r>
+              <a:rPr lang="hu-HU" dirty="0" err="1"/>
+              <a:t>logok</a:t>
+            </a:r>
+            <a:r>
+              <a:rPr lang="hu-HU" dirty="0"/>
+              <a:t> gyűjtése</a:t>
+            </a:r>
+          </a:p>
+          <a:p>
+            <a:r>
+              <a:rPr lang="hu-HU" dirty="0" err="1"/>
+              <a:t>Allure</a:t>
+            </a:r>
+            <a:r>
+              <a:rPr lang="hu-HU" dirty="0"/>
+              <a:t> </a:t>
+            </a:r>
+            <a:r>
+              <a:rPr lang="hu-HU" dirty="0" err="1"/>
+              <a:t>report</a:t>
+            </a:r>
+            <a:r>
+              <a:rPr lang="hu-HU" dirty="0"/>
+              <a:t> létrehozása</a:t>
+            </a:r>
+          </a:p>
+          <a:p>
+            <a:r>
+              <a:rPr lang="hu-HU" dirty="0" err="1"/>
+              <a:t>Allure</a:t>
+            </a:r>
+            <a:r>
+              <a:rPr lang="hu-HU" dirty="0"/>
+              <a:t> </a:t>
+            </a:r>
+            <a:r>
+              <a:rPr lang="hu-HU" dirty="0" err="1"/>
+              <a:t>report</a:t>
+            </a:r>
+            <a:r>
+              <a:rPr lang="hu-HU" dirty="0"/>
+              <a:t> publikálása a </a:t>
+            </a:r>
+            <a:r>
+              <a:rPr lang="hu-HU" dirty="0" err="1"/>
+              <a:t>Github</a:t>
+            </a:r>
+            <a:r>
+              <a:rPr lang="hu-HU" dirty="0"/>
+              <a:t> </a:t>
+            </a:r>
+            <a:r>
+              <a:rPr lang="hu-HU" dirty="0" err="1"/>
+              <a:t>Pages</a:t>
+            </a:r>
+            <a:r>
+              <a:rPr lang="hu-HU" dirty="0"/>
+              <a:t> oldalon</a:t>
+            </a:r>
+          </a:p>
+        </p:txBody>
+      </p:sp>
+      <p:pic>
+        <p:nvPicPr>
+          <p:cNvPr id="4" name="Kép 3">
+            <a:extLst>
+              <a:ext uri="{FF2B5EF4-FFF2-40B4-BE49-F238E27FC236}">
+                <a16:creationId xmlns:a16="http://schemas.microsoft.com/office/drawing/2014/main" id="{BFA26851-C000-4E5A-9ED1-51522C42583E}"/>
+              </a:ext>
+            </a:extLst>
+          </p:cNvPr>
+          <p:cNvPicPr>
+            <a:picLocks noChangeAspect="1"/>
+          </p:cNvPicPr>
+          <p:nvPr/>
+        </p:nvPicPr>
+        <p:blipFill>
+          <a:blip r:embed="rId2"/>
+          <a:stretch>
+            <a:fillRect/>
+          </a:stretch>
+        </p:blipFill>
+        <p:spPr>
+          <a:xfrm>
+            <a:off x="6096000" y="1690688"/>
+            <a:ext cx="4438962" cy="4769708"/>
+          </a:xfrm>
+          <a:prstGeom prst="rect">
+            <a:avLst/>
+          </a:prstGeom>
+        </p:spPr>
+      </p:pic>
+    </p:spTree>
+    <p:extLst>
+      <p:ext uri="{BB962C8B-B14F-4D97-AF65-F5344CB8AC3E}">
+        <p14:creationId xmlns:p14="http://schemas.microsoft.com/office/powerpoint/2010/main" val="464681798"/>
+      </p:ext>
+    </p:extLst>
+  </p:cSld>
+  <p:clrMapOvr>
+    <a:masterClrMapping/>
+  </p:clrMapOvr>
+</p:sld>
+</file>
+
+<file path=ppt/slides/slide4.xml><?xml version="1.0" encoding="utf-8"?>
+<p:sld xmlns:a="http://schemas.openxmlformats.org/drawingml/2006/main" xmlns:r="http://schemas.openxmlformats.org/officeDocument/2006/relationships" xmlns:p="http://schemas.openxmlformats.org/presentationml/2006/main">
+  <p:cSld>
+    <p:spTree>
+      <p:nvGrpSpPr>
+        <p:cNvPr id="1" name=""/>
+        <p:cNvGrpSpPr/>
+        <p:nvPr/>
+      </p:nvGrpSpPr>
+      <p:grpSpPr>
+        <a:xfrm>
+          <a:off x="0" y="0"/>
+          <a:ext cx="0" cy="0"/>
+          <a:chOff x="0" y="0"/>
+          <a:chExt cx="0" cy="0"/>
+        </a:xfrm>
+      </p:grpSpPr>
+      <p:sp>
+        <p:nvSpPr>
+          <p:cNvPr id="2" name="Cím 1">
+            <a:extLst>
+              <a:ext uri="{FF2B5EF4-FFF2-40B4-BE49-F238E27FC236}">
                 <a16:creationId xmlns:a16="http://schemas.microsoft.com/office/drawing/2014/main" id="{15665D2B-39E0-46B8-B964-7263741A25BF}"/>
               </a:ext>
             </a:extLst>
@@ -3484,8 +3943,13 @@
           <a:p>
             <a:r>
               <a:rPr lang="hu-HU" dirty="0"/>
-              <a:t>A tesztelési eljárás lépései</a:t>
-            </a:r>
+              <a:t>Vezetői tesztjelentés </a:t>
+            </a:r>
+            <a:r>
+              <a:rPr lang="hu-HU" dirty="0" err="1"/>
+              <a:t>Allure-ral</a:t>
+            </a:r>
+            <a:endParaRPr lang="hu-HU" dirty="0"/>
           </a:p>
         </p:txBody>
       </p:sp>
@@ -3505,112 +3969,61 @@
             <p:ph idx="1"/>
           </p:nvPr>
         </p:nvSpPr>
-        <p:spPr/>
-        <p:txBody>
-          <a:bodyPr/>
-          <a:lstStyle/>
-          <a:p>
-            <a:r>
-              <a:rPr lang="hu-HU" dirty="0"/>
-              <a:t>Tesztek megtervezése</a:t>
-            </a:r>
-          </a:p>
-          <a:p>
-            <a:r>
-              <a:rPr lang="hu-HU" dirty="0"/>
-              <a:t>Projekt létrehozása, függőségek beállítása</a:t>
-            </a:r>
-          </a:p>
-          <a:p>
-            <a:r>
-              <a:rPr lang="hu-HU" dirty="0"/>
-              <a:t>Python fájlok létrehozása, kézzel futtatható tesztek megírása</a:t>
-            </a:r>
-          </a:p>
-          <a:p>
-            <a:r>
-              <a:rPr lang="hu-HU" dirty="0"/>
-              <a:t>Megírt fájlok </a:t>
-            </a:r>
-            <a:r>
-              <a:rPr lang="hu-HU" dirty="0" err="1"/>
-              <a:t>Pytest</a:t>
-            </a:r>
-            <a:r>
-              <a:rPr lang="hu-HU" dirty="0"/>
-              <a:t>-formátumra hozása</a:t>
-            </a:r>
-          </a:p>
-          <a:p>
-            <a:r>
-              <a:rPr lang="hu-HU" dirty="0" err="1"/>
-              <a:t>Github</a:t>
-            </a:r>
-            <a:r>
-              <a:rPr lang="hu-HU" dirty="0"/>
-              <a:t> </a:t>
-            </a:r>
-            <a:r>
-              <a:rPr lang="hu-HU" dirty="0" err="1"/>
-              <a:t>Actions</a:t>
-            </a:r>
-            <a:r>
-              <a:rPr lang="hu-HU" dirty="0"/>
-              <a:t> script megírása</a:t>
-            </a:r>
-          </a:p>
-          <a:p>
-            <a:r>
-              <a:rPr lang="hu-HU" dirty="0" err="1"/>
-              <a:t>Allure</a:t>
-            </a:r>
-            <a:r>
-              <a:rPr lang="hu-HU" dirty="0"/>
-              <a:t> test </a:t>
-            </a:r>
-            <a:r>
-              <a:rPr lang="hu-HU" dirty="0" err="1"/>
-              <a:t>report</a:t>
-            </a:r>
-            <a:r>
-              <a:rPr lang="hu-HU" dirty="0"/>
-              <a:t> </a:t>
-            </a:r>
-            <a:r>
-              <a:rPr lang="hu-HU" dirty="0" err="1"/>
-              <a:t>tool</a:t>
-            </a:r>
-            <a:r>
-              <a:rPr lang="hu-HU" dirty="0"/>
-              <a:t> beállítása</a:t>
-            </a:r>
-          </a:p>
-          <a:p>
-            <a:r>
-              <a:rPr lang="hu-HU" dirty="0" err="1"/>
-              <a:t>Github</a:t>
-            </a:r>
-            <a:r>
-              <a:rPr lang="hu-HU" dirty="0"/>
-              <a:t> </a:t>
-            </a:r>
-            <a:r>
-              <a:rPr lang="hu-HU" dirty="0" err="1"/>
-              <a:t>Pages</a:t>
-            </a:r>
-            <a:r>
-              <a:rPr lang="hu-HU" dirty="0"/>
-              <a:t> beállítása</a:t>
-            </a:r>
-          </a:p>
-          <a:p>
-            <a:r>
-              <a:rPr lang="hu-HU" dirty="0"/>
-              <a:t>Dokumentáció elkészítése</a:t>
-            </a:r>
-          </a:p>
-        </p:txBody>
-      </p:sp>
+        <p:spPr>
+          <a:xfrm>
+            <a:off x="838200" y="5696922"/>
+            <a:ext cx="10515600" cy="480041"/>
+          </a:xfrm>
+        </p:spPr>
+        <p:txBody>
+          <a:bodyPr>
+            <a:normAutofit/>
+          </a:bodyPr>
+          <a:lstStyle/>
+          <a:p>
+            <a:pPr marL="0" indent="0">
+              <a:buNone/>
+            </a:pPr>
+            <a:r>
+              <a:rPr lang="hu-HU" dirty="0">
+                <a:hlinkClick r:id="rId2"/>
+              </a:rPr>
+              <a:t>http://balazsszoboszlay.github.io/conduit/</a:t>
+            </a:r>
+            <a:endParaRPr lang="hu-HU" dirty="0"/>
+          </a:p>
+        </p:txBody>
+      </p:sp>
+      <p:pic>
+        <p:nvPicPr>
+          <p:cNvPr id="4" name="Kép 3">
+            <a:extLst>
+              <a:ext uri="{FF2B5EF4-FFF2-40B4-BE49-F238E27FC236}">
+                <a16:creationId xmlns:a16="http://schemas.microsoft.com/office/drawing/2014/main" id="{52AB91E7-D7AD-40FB-974E-391C6E305383}"/>
+              </a:ext>
+            </a:extLst>
+          </p:cNvPr>
+          <p:cNvPicPr>
+            <a:picLocks noChangeAspect="1"/>
+          </p:cNvPicPr>
+          <p:nvPr/>
+        </p:nvPicPr>
+        <p:blipFill>
+          <a:blip r:embed="rId3"/>
+          <a:stretch>
+            <a:fillRect/>
+          </a:stretch>
+        </p:blipFill>
+        <p:spPr>
+          <a:xfrm>
+            <a:off x="838201" y="1508249"/>
+            <a:ext cx="10515600" cy="4064382"/>
+          </a:xfrm>
+          <a:prstGeom prst="rect">
+            <a:avLst/>
+          </a:prstGeom>
+        </p:spPr>
+      </p:pic>
     </p:spTree>
     <p:extLst>
       <p:ext uri="{BB962C8B-B14F-4D97-AF65-F5344CB8AC3E}">
@@ -3624,7 +4037,84 @@
 </p:sld>
 </file>
 
-<file path=ppt/slides/slide3.xml><?xml version="1.0" encoding="utf-8"?>
+<file path=ppt/slides/slide5.xml><?xml version="1.0" encoding="utf-8"?>
+<p:sld xmlns:a="http://schemas.openxmlformats.org/drawingml/2006/main" xmlns:r="http://schemas.openxmlformats.org/officeDocument/2006/relationships" xmlns:p="http://schemas.openxmlformats.org/presentationml/2006/main">
+  <p:cSld>
+    <p:spTree>
+      <p:nvGrpSpPr>
+        <p:cNvPr id="1" name=""/>
+        <p:cNvGrpSpPr/>
+        <p:nvPr/>
+      </p:nvGrpSpPr>
+      <p:grpSpPr>
+        <a:xfrm>
+          <a:off x="0" y="0"/>
+          <a:ext cx="0" cy="0"/>
+          <a:chOff x="0" y="0"/>
+          <a:chExt cx="0" cy="0"/>
+        </a:xfrm>
+      </p:grpSpPr>
+      <p:sp>
+        <p:nvSpPr>
+          <p:cNvPr id="2" name="Cím 1">
+            <a:extLst>
+              <a:ext uri="{FF2B5EF4-FFF2-40B4-BE49-F238E27FC236}">
+                <a16:creationId xmlns:a16="http://schemas.microsoft.com/office/drawing/2014/main" id="{FE8132E5-3C55-4DC2-840F-22F62635E259}"/>
+              </a:ext>
+            </a:extLst>
+          </p:cNvPr>
+          <p:cNvSpPr>
+            <a:spLocks noGrp="1"/>
+          </p:cNvSpPr>
+          <p:nvPr>
+            <p:ph type="title"/>
+          </p:nvPr>
+        </p:nvSpPr>
+        <p:spPr>
+          <a:xfrm>
+            <a:off x="838200" y="2187146"/>
+            <a:ext cx="10515600" cy="2483708"/>
+          </a:xfrm>
+        </p:spPr>
+        <p:txBody>
+          <a:bodyPr>
+            <a:normAutofit/>
+          </a:bodyPr>
+          <a:lstStyle/>
+          <a:p>
+            <a:pPr algn="ctr">
+              <a:lnSpc>
+                <a:spcPct val="150000"/>
+              </a:lnSpc>
+            </a:pPr>
+            <a:r>
+              <a:rPr lang="hu-HU" b="1" dirty="0"/>
+              <a:t>Köszönöm a figyelmet!</a:t>
+            </a:r>
+            <a:br>
+              <a:rPr lang="hu-HU" b="1" dirty="0"/>
+            </a:br>
+            <a:r>
+              <a:rPr lang="hu-HU" b="1" dirty="0"/>
+              <a:t>Viszontlátásra!</a:t>
+            </a:r>
+          </a:p>
+        </p:txBody>
+      </p:sp>
+    </p:spTree>
+    <p:extLst>
+      <p:ext uri="{BB962C8B-B14F-4D97-AF65-F5344CB8AC3E}">
+        <p14:creationId xmlns:p14="http://schemas.microsoft.com/office/powerpoint/2010/main" val="3718761546"/>
+      </p:ext>
+    </p:extLst>
+  </p:cSld>
+  <p:clrMapOvr>
+    <a:masterClrMapping/>
+  </p:clrMapOvr>
+</p:sld>
+</file>
+
+<file path=ppt/slides/slide6.xml><?xml version="1.0" encoding="utf-8"?>
 <p:sld xmlns:a="http://schemas.openxmlformats.org/drawingml/2006/main" xmlns:r="http://schemas.openxmlformats.org/officeDocument/2006/relationships" xmlns:p="http://schemas.openxmlformats.org/presentationml/2006/main">
   <p:cSld>
     <p:spTree>
